--- a/achelp/filer/Ac Help setup.pptx
+++ b/achelp/filer/Ac Help setup.pptx
@@ -107,6 +107,11 @@
       </a:defRPr>
     </a:lvl9pPr>
   </p:defaultTextStyle>
+  <p:extLst>
+    <p:ext uri="{EFAFB233-063F-42B5-8137-9DF3F51BA10A}">
+      <p15:sldGuideLst xmlns:p15="http://schemas.microsoft.com/office/powerpoint/2012/main"/>
+    </p:ext>
+  </p:extLst>
 </p:presentation>
 </file>
 
@@ -259,7 +264,7 @@
           <a:p>
             <a:fld id="{43B06ECC-FECF-4F5F-B135-03D946CFAC33}" type="datetimeFigureOut">
               <a:rPr lang="sv-SE" smtClean="0"/>
-              <a:t>2025-08-14</a:t>
+              <a:t>2025-08-26</a:t>
             </a:fld>
             <a:endParaRPr lang="sv-SE"/>
           </a:p>
@@ -459,7 +464,7 @@
           <a:p>
             <a:fld id="{43B06ECC-FECF-4F5F-B135-03D946CFAC33}" type="datetimeFigureOut">
               <a:rPr lang="sv-SE" smtClean="0"/>
-              <a:t>2025-08-14</a:t>
+              <a:t>2025-08-26</a:t>
             </a:fld>
             <a:endParaRPr lang="sv-SE"/>
           </a:p>
@@ -669,7 +674,7 @@
           <a:p>
             <a:fld id="{43B06ECC-FECF-4F5F-B135-03D946CFAC33}" type="datetimeFigureOut">
               <a:rPr lang="sv-SE" smtClean="0"/>
-              <a:t>2025-08-14</a:t>
+              <a:t>2025-08-26</a:t>
             </a:fld>
             <a:endParaRPr lang="sv-SE"/>
           </a:p>
@@ -869,7 +874,7 @@
           <a:p>
             <a:fld id="{43B06ECC-FECF-4F5F-B135-03D946CFAC33}" type="datetimeFigureOut">
               <a:rPr lang="sv-SE" smtClean="0"/>
-              <a:t>2025-08-14</a:t>
+              <a:t>2025-08-26</a:t>
             </a:fld>
             <a:endParaRPr lang="sv-SE"/>
           </a:p>
@@ -1145,7 +1150,7 @@
           <a:p>
             <a:fld id="{43B06ECC-FECF-4F5F-B135-03D946CFAC33}" type="datetimeFigureOut">
               <a:rPr lang="sv-SE" smtClean="0"/>
-              <a:t>2025-08-14</a:t>
+              <a:t>2025-08-26</a:t>
             </a:fld>
             <a:endParaRPr lang="sv-SE"/>
           </a:p>
@@ -1413,7 +1418,7 @@
           <a:p>
             <a:fld id="{43B06ECC-FECF-4F5F-B135-03D946CFAC33}" type="datetimeFigureOut">
               <a:rPr lang="sv-SE" smtClean="0"/>
-              <a:t>2025-08-14</a:t>
+              <a:t>2025-08-26</a:t>
             </a:fld>
             <a:endParaRPr lang="sv-SE"/>
           </a:p>
@@ -1828,7 +1833,7 @@
           <a:p>
             <a:fld id="{43B06ECC-FECF-4F5F-B135-03D946CFAC33}" type="datetimeFigureOut">
               <a:rPr lang="sv-SE" smtClean="0"/>
-              <a:t>2025-08-14</a:t>
+              <a:t>2025-08-26</a:t>
             </a:fld>
             <a:endParaRPr lang="sv-SE"/>
           </a:p>
@@ -1970,7 +1975,7 @@
           <a:p>
             <a:fld id="{43B06ECC-FECF-4F5F-B135-03D946CFAC33}" type="datetimeFigureOut">
               <a:rPr lang="sv-SE" smtClean="0"/>
-              <a:t>2025-08-14</a:t>
+              <a:t>2025-08-26</a:t>
             </a:fld>
             <a:endParaRPr lang="sv-SE"/>
           </a:p>
@@ -2083,7 +2088,7 @@
           <a:p>
             <a:fld id="{43B06ECC-FECF-4F5F-B135-03D946CFAC33}" type="datetimeFigureOut">
               <a:rPr lang="sv-SE" smtClean="0"/>
-              <a:t>2025-08-14</a:t>
+              <a:t>2025-08-26</a:t>
             </a:fld>
             <a:endParaRPr lang="sv-SE"/>
           </a:p>
@@ -2396,7 +2401,7 @@
           <a:p>
             <a:fld id="{43B06ECC-FECF-4F5F-B135-03D946CFAC33}" type="datetimeFigureOut">
               <a:rPr lang="sv-SE" smtClean="0"/>
-              <a:t>2025-08-14</a:t>
+              <a:t>2025-08-26</a:t>
             </a:fld>
             <a:endParaRPr lang="sv-SE"/>
           </a:p>
@@ -2685,7 +2690,7 @@
           <a:p>
             <a:fld id="{43B06ECC-FECF-4F5F-B135-03D946CFAC33}" type="datetimeFigureOut">
               <a:rPr lang="sv-SE" smtClean="0"/>
-              <a:t>2025-08-14</a:t>
+              <a:t>2025-08-26</a:t>
             </a:fld>
             <a:endParaRPr lang="sv-SE"/>
           </a:p>
@@ -2928,7 +2933,7 @@
           <a:p>
             <a:fld id="{43B06ECC-FECF-4F5F-B135-03D946CFAC33}" type="datetimeFigureOut">
               <a:rPr lang="sv-SE" smtClean="0"/>
-              <a:t>2025-08-14</a:t>
+              <a:t>2025-08-26</a:t>
             </a:fld>
             <a:endParaRPr lang="sv-SE"/>
           </a:p>
@@ -3431,7 +3436,15 @@
             </a:pPr>
             <a:r>
               <a:rPr lang="sv-SE" sz="2000" dirty="0"/>
-              <a:t>Starta AcHelpv2.2.exe </a:t>
+              <a:t>Starta AC </a:t>
+            </a:r>
+            <a:r>
+              <a:rPr lang="sv-SE" sz="2000" dirty="0" err="1"/>
+              <a:t>Help</a:t>
+            </a:r>
+            <a:r>
+              <a:rPr lang="sv-SE" sz="2000" dirty="0"/>
+              <a:t> 2025.exe </a:t>
             </a:r>
           </a:p>
           <a:p>
@@ -3447,10 +3460,10 @@
       </p:sp>
       <p:pic>
         <p:nvPicPr>
-          <p:cNvPr id="13" name="Picture 12">
-            <a:extLst>
-              <a:ext uri="{FF2B5EF4-FFF2-40B4-BE49-F238E27FC236}">
-                <a16:creationId xmlns:a16="http://schemas.microsoft.com/office/drawing/2014/main" id="{0967F081-CD0C-9F4A-0D0B-5B33C1FB0D01}"/>
+          <p:cNvPr id="16" name="Picture 15">
+            <a:extLst>
+              <a:ext uri="{FF2B5EF4-FFF2-40B4-BE49-F238E27FC236}">
+                <a16:creationId xmlns:a16="http://schemas.microsoft.com/office/drawing/2014/main" id="{893B506B-0C0A-8ACE-3DE8-827AA48A065A}"/>
               </a:ext>
             </a:extLst>
           </p:cNvPr>
@@ -3467,8 +3480,8 @@
         </p:blipFill>
         <p:spPr>
           <a:xfrm>
-            <a:off x="6349730" y="324361"/>
-            <a:ext cx="5550439" cy="2455002"/>
+            <a:off x="7584260" y="3194761"/>
+            <a:ext cx="4045764" cy="2889831"/>
           </a:xfrm>
           <a:prstGeom prst="rect">
             <a:avLst/>
@@ -3477,10 +3490,10 @@
       </p:pic>
       <p:sp>
         <p:nvSpPr>
-          <p:cNvPr id="14" name="Rectangle 13">
-            <a:extLst>
-              <a:ext uri="{FF2B5EF4-FFF2-40B4-BE49-F238E27FC236}">
-                <a16:creationId xmlns:a16="http://schemas.microsoft.com/office/drawing/2014/main" id="{CA6B1E50-3DC8-7DD2-3969-31445A66B526}"/>
+          <p:cNvPr id="17" name="Rectangle 16">
+            <a:extLst>
+              <a:ext uri="{FF2B5EF4-FFF2-40B4-BE49-F238E27FC236}">
+                <a16:creationId xmlns:a16="http://schemas.microsoft.com/office/drawing/2014/main" id="{47BCA074-6E43-FE16-2428-6755E8717FD3}"/>
               </a:ext>
             </a:extLst>
           </p:cNvPr>
@@ -3489,8 +3502,8 @@
         </p:nvSpPr>
         <p:spPr>
           <a:xfrm>
-            <a:off x="8620125" y="2133600"/>
-            <a:ext cx="1190625" cy="495300"/>
+            <a:off x="8717735" y="5654927"/>
+            <a:ext cx="1246576" cy="306054"/>
           </a:xfrm>
           <a:prstGeom prst="rect">
             <a:avLst/>
@@ -3529,10 +3542,10 @@
       </p:sp>
       <p:pic>
         <p:nvPicPr>
-          <p:cNvPr id="16" name="Picture 15">
-            <a:extLst>
-              <a:ext uri="{FF2B5EF4-FFF2-40B4-BE49-F238E27FC236}">
-                <a16:creationId xmlns:a16="http://schemas.microsoft.com/office/drawing/2014/main" id="{893B506B-0C0A-8ACE-3DE8-827AA48A065A}"/>
+          <p:cNvPr id="4" name="Bildobjekt 3">
+            <a:extLst>
+              <a:ext uri="{FF2B5EF4-FFF2-40B4-BE49-F238E27FC236}">
+                <a16:creationId xmlns:a16="http://schemas.microsoft.com/office/drawing/2014/main" id="{13E0835C-E1EF-B4AE-FD69-77A1D4E0CB5F}"/>
               </a:ext>
             </a:extLst>
           </p:cNvPr>
@@ -3543,14 +3556,15 @@
         </p:nvPicPr>
         <p:blipFill>
           <a:blip r:embed="rId3"/>
+          <a:srcRect t="7013" r="6745" b="12829"/>
           <a:stretch>
             <a:fillRect/>
           </a:stretch>
         </p:blipFill>
         <p:spPr>
           <a:xfrm>
-            <a:off x="7584260" y="3194761"/>
-            <a:ext cx="4045764" cy="2889831"/>
+            <a:off x="4253947" y="4572000"/>
+            <a:ext cx="2668657" cy="815010"/>
           </a:xfrm>
           <a:prstGeom prst="rect">
             <a:avLst/>
@@ -3559,10 +3573,10 @@
       </p:pic>
       <p:sp>
         <p:nvSpPr>
-          <p:cNvPr id="17" name="Rectangle 16">
-            <a:extLst>
-              <a:ext uri="{FF2B5EF4-FFF2-40B4-BE49-F238E27FC236}">
-                <a16:creationId xmlns:a16="http://schemas.microsoft.com/office/drawing/2014/main" id="{47BCA074-6E43-FE16-2428-6755E8717FD3}"/>
+          <p:cNvPr id="20" name="Rectangle 19">
+            <a:extLst>
+              <a:ext uri="{FF2B5EF4-FFF2-40B4-BE49-F238E27FC236}">
+                <a16:creationId xmlns:a16="http://schemas.microsoft.com/office/drawing/2014/main" id="{0682F7DF-52EC-9781-5E9C-1D325B9CFEEA}"/>
               </a:ext>
             </a:extLst>
           </p:cNvPr>
@@ -3571,8 +3585,8 @@
         </p:nvSpPr>
         <p:spPr>
           <a:xfrm>
-            <a:off x="8717735" y="5654927"/>
-            <a:ext cx="1246576" cy="306054"/>
+            <a:off x="4482033" y="4776372"/>
+            <a:ext cx="2072823" cy="416824"/>
           </a:xfrm>
           <a:prstGeom prst="rect">
             <a:avLst/>
@@ -3611,10 +3625,10 @@
       </p:sp>
       <p:pic>
         <p:nvPicPr>
-          <p:cNvPr id="19" name="Picture 18">
-            <a:extLst>
-              <a:ext uri="{FF2B5EF4-FFF2-40B4-BE49-F238E27FC236}">
-                <a16:creationId xmlns:a16="http://schemas.microsoft.com/office/drawing/2014/main" id="{FE675104-0D28-4243-F2A5-BB6C72011709}"/>
+          <p:cNvPr id="7" name="Bildobjekt 6">
+            <a:extLst>
+              <a:ext uri="{FF2B5EF4-FFF2-40B4-BE49-F238E27FC236}">
+                <a16:creationId xmlns:a16="http://schemas.microsoft.com/office/drawing/2014/main" id="{BE731823-B7EE-C969-80B4-6D186BDC14D5}"/>
               </a:ext>
             </a:extLst>
           </p:cNvPr>
@@ -3631,8 +3645,8 @@
         </p:blipFill>
         <p:spPr>
           <a:xfrm>
-            <a:off x="4981809" y="4463037"/>
-            <a:ext cx="2232138" cy="1409772"/>
+            <a:off x="6346286" y="404364"/>
+            <a:ext cx="5550439" cy="2450361"/>
           </a:xfrm>
           <a:prstGeom prst="rect">
             <a:avLst/>
@@ -3641,10 +3655,10 @@
       </p:pic>
       <p:sp>
         <p:nvSpPr>
-          <p:cNvPr id="20" name="Rectangle 19">
-            <a:extLst>
-              <a:ext uri="{FF2B5EF4-FFF2-40B4-BE49-F238E27FC236}">
-                <a16:creationId xmlns:a16="http://schemas.microsoft.com/office/drawing/2014/main" id="{0682F7DF-52EC-9781-5E9C-1D325B9CFEEA}"/>
+          <p:cNvPr id="14" name="Rectangle 13">
+            <a:extLst>
+              <a:ext uri="{FF2B5EF4-FFF2-40B4-BE49-F238E27FC236}">
+                <a16:creationId xmlns:a16="http://schemas.microsoft.com/office/drawing/2014/main" id="{CA6B1E50-3DC8-7DD2-3969-31445A66B526}"/>
               </a:ext>
             </a:extLst>
           </p:cNvPr>
@@ -3653,8 +3667,8 @@
         </p:nvSpPr>
         <p:spPr>
           <a:xfrm>
-            <a:off x="5217529" y="4691708"/>
-            <a:ext cx="1428750" cy="314325"/>
+            <a:off x="9221442" y="2138570"/>
+            <a:ext cx="981075" cy="415787"/>
           </a:xfrm>
           <a:prstGeom prst="rect">
             <a:avLst/>
